--- a/output_files/example_presentation_updated.pptx
+++ b/output_files/example_presentation_updated.pptx
@@ -47275,7 +47275,7 @@
                   <a:schemeClr val="lt1"/>
                 </a:solidFill>
               </a:rPr>
-              <a:t>Data Team something</a:t>
+              <a:t>Data Team My Team Name</a:t>
             </a:r>
             <a:endParaRPr>
               <a:solidFill>
@@ -47336,7 +47336,7 @@
                 <a:cs typeface="Source Sans Pro Black"/>
                 <a:sym typeface="Source Sans Pro Black"/>
               </a:rPr>
-              <a:t>yeet</a:t>
+              <a:t>sheet1A1value</a:t>
             </a:r>
             <a:endParaRPr sz="5000">
               <a:solidFill>
@@ -47630,7 +47630,7 @@
                   <a:schemeClr val="accent6"/>
                 </a:solidFill>
               </a:rPr>
-              <a:t>adfasdf</a:t>
+              <a:t>@teamtag</a:t>
             </a:r>
             <a:endParaRPr>
               <a:solidFill>
@@ -47659,7 +47659,7 @@
                   <a:schemeClr val="lt1"/>
                 </a:solidFill>
               </a:rPr>
-              <a:t>Pod slack: dfsd</a:t>
+              <a:t>Pod slack: #channel</a:t>
             </a:r>
             <a:endParaRPr>
               <a:solidFill>
@@ -47744,7 +47744,7 @@
                 <a:cs typeface="Source Sans Pro Black"/>
                 <a:sym typeface="Source Sans Pro Black"/>
               </a:rPr>
-              <a:t>Thank you. End of yeet</a:t>
+              <a:t>Thank you. End of sheet1A1value</a:t>
             </a:r>
             <a:endParaRPr sz="5000">
               <a:solidFill>
